--- a/Presentation1.pptx
+++ b/Presentation1.pptx
@@ -16,6 +16,7 @@
     <p:sldId id="266" r:id="rId10"/>
     <p:sldId id="267" r:id="rId11"/>
     <p:sldId id="265" r:id="rId12"/>
+    <p:sldId id="268" r:id="rId13"/>
   </p:sldIdLst>
   <p:sldSz cx="12192000" cy="6858000"/>
   <p:notesSz cx="6858000" cy="9144000"/>
@@ -7351,7 +7352,7 @@
                 <a:latin typeface="B Nazanin" pitchFamily="2" charset="-78"/>
                 <a:cs typeface="B Nazanin" pitchFamily="2" charset="-78"/>
               </a:rPr>
-              <a:t>دوم</a:t>
+              <a:t>سوم</a:t>
             </a:r>
             <a:endParaRPr lang="en-IR" sz="4800" dirty="0">
               <a:latin typeface="B Nazanin" pitchFamily="2" charset="-78"/>
@@ -7376,8 +7377,8 @@
         </p:nvSpPr>
         <p:spPr>
           <a:xfrm>
-            <a:off x="1154955" y="1496290"/>
-            <a:ext cx="8927196" cy="819397"/>
+            <a:off x="1154955" y="2153515"/>
+            <a:ext cx="8927196" cy="1932710"/>
           </a:xfrm>
           <a:prstGeom prst="rect">
             <a:avLst/>
@@ -7460,26 +7461,100 @@
             </a:lvl9pPr>
           </a:lstStyle>
           <a:p>
-            <a:pPr algn="r" rtl="1">
+            <a:pPr algn="ctr" rtl="1">
               <a:lnSpc>
                 <a:spcPct val="150000"/>
               </a:lnSpc>
             </a:pPr>
             <a:r>
-              <a:rPr lang="fa-IR" sz="3600" dirty="0">
+              <a:rPr lang="fa-IR" sz="6600" dirty="0">
                 <a:latin typeface="B Nazanin" pitchFamily="2" charset="-78"/>
                 <a:cs typeface="B Nazanin" pitchFamily="2" charset="-78"/>
               </a:rPr>
-              <a:t>گرفتن داده ها : </a:t>
-            </a:r>
-            <a:r>
-              <a:rPr lang="fa-IR" sz="1600" dirty="0">
+              <a:t>نمایش و درک داده ها </a:t>
+            </a:r>
+          </a:p>
+        </p:txBody>
+      </p:sp>
+    </p:spTree>
+    <p:extLst>
+      <p:ext uri="{BB962C8B-B14F-4D97-AF65-F5344CB8AC3E}">
+        <p14:creationId xmlns:p14="http://schemas.microsoft.com/office/powerpoint/2010/main" val="1134420013"/>
+      </p:ext>
+    </p:extLst>
+  </p:cSld>
+  <p:clrMapOvr>
+    <a:masterClrMapping/>
+  </p:clrMapOvr>
+</p:sld>
+</file>
+
+<file path=ppt/slides/slide12.xml><?xml version="1.0" encoding="utf-8"?>
+<p:sld xmlns:a="http://schemas.openxmlformats.org/drawingml/2006/main" xmlns:r="http://schemas.openxmlformats.org/officeDocument/2006/relationships" xmlns:p="http://schemas.openxmlformats.org/presentationml/2006/main">
+  <p:cSld>
+    <p:spTree>
+      <p:nvGrpSpPr>
+        <p:cNvPr id="1" name=""/>
+        <p:cNvGrpSpPr/>
+        <p:nvPr/>
+      </p:nvGrpSpPr>
+      <p:grpSpPr>
+        <a:xfrm>
+          <a:off x="0" y="0"/>
+          <a:ext cx="0" cy="0"/>
+          <a:chOff x="0" y="0"/>
+          <a:chExt cx="0" cy="0"/>
+        </a:xfrm>
+      </p:grpSpPr>
+      <p:sp>
+        <p:nvSpPr>
+          <p:cNvPr id="2" name="Title 1">
+            <a:extLst>
+              <a:ext uri="{FF2B5EF4-FFF2-40B4-BE49-F238E27FC236}">
+                <a16:creationId xmlns:a16="http://schemas.microsoft.com/office/drawing/2014/main" id="{CAD61B8B-E3F4-220E-21D0-9D8B3A046E00}"/>
+              </a:ext>
+            </a:extLst>
+          </p:cNvPr>
+          <p:cNvSpPr>
+            <a:spLocks noGrp="1"/>
+          </p:cNvSpPr>
+          <p:nvPr>
+            <p:ph type="ctrTitle"/>
+          </p:nvPr>
+        </p:nvSpPr>
+        <p:spPr>
+          <a:xfrm>
+            <a:off x="1154955" y="516577"/>
+            <a:ext cx="8825658" cy="819397"/>
+          </a:xfrm>
+        </p:spPr>
+        <p:txBody>
+          <a:bodyPr/>
+          <a:lstStyle/>
+          <a:p>
+            <a:pPr algn="r" rtl="1"/>
+            <a:r>
+              <a:rPr lang="fa-IR" sz="4800" dirty="0">
+                <a:latin typeface="B Nazanin" pitchFamily="2" charset="-78"/>
+                <a:cs typeface="B Nazanin" pitchFamily="2" charset="-78"/>
+              </a:rPr>
+              <a:t>مرحله</a:t>
+            </a:r>
+            <a:r>
+              <a:rPr lang="en-US" sz="4800" dirty="0">
                 <a:latin typeface="B Nazanin" pitchFamily="2" charset="-78"/>
                 <a:cs typeface="B Nazanin" pitchFamily="2" charset="-78"/>
               </a:rPr>
               <a:t> </a:t>
             </a:r>
-            <a:endParaRPr lang="fa-IR" sz="3600" dirty="0">
+            <a:r>
+              <a:rPr lang="fa-IR" sz="4800" dirty="0">
+                <a:latin typeface="B Nazanin" pitchFamily="2" charset="-78"/>
+                <a:cs typeface="B Nazanin" pitchFamily="2" charset="-78"/>
+              </a:rPr>
+              <a:t>سوم</a:t>
+            </a:r>
+            <a:endParaRPr lang="en-IR" sz="4800" dirty="0">
               <a:latin typeface="B Nazanin" pitchFamily="2" charset="-78"/>
               <a:cs typeface="B Nazanin" pitchFamily="2" charset="-78"/>
             </a:endParaRPr>
@@ -7488,10 +7563,10 @@
       </p:sp>
       <p:sp>
         <p:nvSpPr>
-          <p:cNvPr id="3" name="Title 1">
+          <p:cNvPr id="4" name="Title 1">
             <a:extLst>
               <a:ext uri="{FF2B5EF4-FFF2-40B4-BE49-F238E27FC236}">
-                <a16:creationId xmlns:a16="http://schemas.microsoft.com/office/drawing/2014/main" id="{B1F89DDC-61B8-6667-5A36-576BCFBCC355}"/>
+                <a16:creationId xmlns:a16="http://schemas.microsoft.com/office/drawing/2014/main" id="{BA7188AD-399F-A698-FA47-AC0B2E549CBE}"/>
               </a:ext>
             </a:extLst>
           </p:cNvPr>
@@ -7502,8 +7577,8 @@
         </p:nvSpPr>
         <p:spPr>
           <a:xfrm>
-            <a:off x="1053417" y="2189517"/>
-            <a:ext cx="8927196" cy="819397"/>
+            <a:off x="-1538483" y="316267"/>
+            <a:ext cx="7499740" cy="934398"/>
           </a:xfrm>
           <a:prstGeom prst="rect">
             <a:avLst/>
@@ -7586,7 +7661,7 @@
             </a:lvl9pPr>
           </a:lstStyle>
           <a:p>
-            <a:pPr marL="0" algn="l" defTabSz="457200" rtl="0" eaLnBrk="1" latinLnBrk="0" hangingPunct="1">
+            <a:pPr marL="0" algn="ctr" defTabSz="457200" rtl="0" eaLnBrk="1" latinLnBrk="0" hangingPunct="1">
               <a:lnSpc>
                 <a:spcPct val="150000"/>
               </a:lnSpc>
@@ -7596,419 +7671,49 @@
               <a:buNone/>
             </a:pPr>
             <a:r>
-              <a:rPr lang="fa-IR" sz="3600" dirty="0">
+              <a:rPr lang="fa-IR" sz="4000" dirty="0">
                 <a:latin typeface="B Nazanin" pitchFamily="2" charset="-78"/>
                 <a:cs typeface="B Nazanin" pitchFamily="2" charset="-78"/>
               </a:rPr>
-              <a:t>آماده کردن محیط کار</a:t>
-            </a:r>
-          </a:p>
-        </p:txBody>
-      </p:sp>
-      <p:sp>
-        <p:nvSpPr>
-          <p:cNvPr id="8" name="Title 1">
+              <a:t>ضریب وابستگی</a:t>
+            </a:r>
+          </a:p>
+        </p:txBody>
+      </p:sp>
+      <p:pic>
+        <p:nvPicPr>
+          <p:cNvPr id="9" name="Picture 8">
             <a:extLst>
               <a:ext uri="{FF2B5EF4-FFF2-40B4-BE49-F238E27FC236}">
-                <a16:creationId xmlns:a16="http://schemas.microsoft.com/office/drawing/2014/main" id="{75AAC4A2-10D4-45CC-A873-E6012B2FEA14}"/>
+                <a16:creationId xmlns:a16="http://schemas.microsoft.com/office/drawing/2014/main" id="{EF7C4E45-1AA9-AF60-BA88-449D7AF31AB1}"/>
               </a:ext>
             </a:extLst>
           </p:cNvPr>
-          <p:cNvSpPr txBox="1">
-            <a:spLocks/>
-          </p:cNvSpPr>
+          <p:cNvPicPr>
+            <a:picLocks noChangeAspect="1"/>
+          </p:cNvPicPr>
           <p:nvPr/>
-        </p:nvSpPr>
+        </p:nvPicPr>
+        <p:blipFill>
+          <a:blip r:embed="rId2"/>
+          <a:stretch>
+            <a:fillRect/>
+          </a:stretch>
+        </p:blipFill>
         <p:spPr>
           <a:xfrm>
-            <a:off x="-1326989" y="2982202"/>
-            <a:ext cx="8927196" cy="819397"/>
+            <a:off x="1408121" y="1450975"/>
+            <a:ext cx="9106271" cy="5089333"/>
           </a:xfrm>
           <a:prstGeom prst="rect">
             <a:avLst/>
           </a:prstGeom>
         </p:spPr>
-        <p:txBody>
-          <a:bodyPr vert="horz" lIns="91440" tIns="45720" rIns="91440" bIns="45720" rtlCol="0" anchor="b">
-            <a:noAutofit/>
-          </a:bodyPr>
-          <a:lstStyle>
-            <a:lvl1pPr algn="l" defTabSz="457200" rtl="0" eaLnBrk="1" latinLnBrk="0" hangingPunct="1">
-              <a:spcBef>
-                <a:spcPct val="0"/>
-              </a:spcBef>
-              <a:buNone/>
-              <a:defRPr sz="7200" b="0" i="0" kern="1200">
-                <a:solidFill>
-                  <a:schemeClr val="tx2"/>
-                </a:solidFill>
-                <a:latin typeface="+mj-lt"/>
-                <a:ea typeface="+mj-ea"/>
-                <a:cs typeface="+mj-cs"/>
-              </a:defRPr>
-            </a:lvl1pPr>
-            <a:lvl2pPr eaLnBrk="1" hangingPunct="1">
-              <a:defRPr>
-                <a:solidFill>
-                  <a:schemeClr val="tx2"/>
-                </a:solidFill>
-              </a:defRPr>
-            </a:lvl2pPr>
-            <a:lvl3pPr eaLnBrk="1" hangingPunct="1">
-              <a:defRPr>
-                <a:solidFill>
-                  <a:schemeClr val="tx2"/>
-                </a:solidFill>
-              </a:defRPr>
-            </a:lvl3pPr>
-            <a:lvl4pPr eaLnBrk="1" hangingPunct="1">
-              <a:defRPr>
-                <a:solidFill>
-                  <a:schemeClr val="tx2"/>
-                </a:solidFill>
-              </a:defRPr>
-            </a:lvl4pPr>
-            <a:lvl5pPr eaLnBrk="1" hangingPunct="1">
-              <a:defRPr>
-                <a:solidFill>
-                  <a:schemeClr val="tx2"/>
-                </a:solidFill>
-              </a:defRPr>
-            </a:lvl5pPr>
-            <a:lvl6pPr eaLnBrk="1" hangingPunct="1">
-              <a:defRPr>
-                <a:solidFill>
-                  <a:schemeClr val="tx2"/>
-                </a:solidFill>
-              </a:defRPr>
-            </a:lvl6pPr>
-            <a:lvl7pPr eaLnBrk="1" hangingPunct="1">
-              <a:defRPr>
-                <a:solidFill>
-                  <a:schemeClr val="tx2"/>
-                </a:solidFill>
-              </a:defRPr>
-            </a:lvl7pPr>
-            <a:lvl8pPr eaLnBrk="1" hangingPunct="1">
-              <a:defRPr>
-                <a:solidFill>
-                  <a:schemeClr val="tx2"/>
-                </a:solidFill>
-              </a:defRPr>
-            </a:lvl8pPr>
-            <a:lvl9pPr eaLnBrk="1" hangingPunct="1">
-              <a:defRPr>
-                <a:solidFill>
-                  <a:schemeClr val="tx2"/>
-                </a:solidFill>
-              </a:defRPr>
-            </a:lvl9pPr>
-          </a:lstStyle>
-          <a:p>
-            <a:pPr marL="0" algn="r" defTabSz="457200" rtl="1" eaLnBrk="1" latinLnBrk="0" hangingPunct="1">
-              <a:lnSpc>
-                <a:spcPct val="150000"/>
-              </a:lnSpc>
-              <a:spcBef>
-                <a:spcPct val="0"/>
-              </a:spcBef>
-              <a:buNone/>
-            </a:pPr>
-            <a:r>
-              <a:rPr lang="en-US" sz="3600" dirty="0">
-                <a:latin typeface="B Nazanin" pitchFamily="2" charset="-78"/>
-                <a:cs typeface="B Nazanin" pitchFamily="2" charset="-78"/>
-              </a:rPr>
-              <a:t>Anaconda and </a:t>
-            </a:r>
-            <a:r>
-              <a:rPr lang="en-US" sz="3600" dirty="0" err="1">
-                <a:latin typeface="B Nazanin" pitchFamily="2" charset="-78"/>
-                <a:cs typeface="B Nazanin" pitchFamily="2" charset="-78"/>
-              </a:rPr>
-              <a:t>jupyter</a:t>
-            </a:r>
-            <a:r>
-              <a:rPr lang="en-US" sz="3600" dirty="0">
-                <a:latin typeface="B Nazanin" pitchFamily="2" charset="-78"/>
-                <a:cs typeface="B Nazanin" pitchFamily="2" charset="-78"/>
-              </a:rPr>
-              <a:t> Notebook</a:t>
-            </a:r>
-            <a:endParaRPr lang="fa-IR" sz="3600" dirty="0">
-              <a:latin typeface="B Nazanin" pitchFamily="2" charset="-78"/>
-              <a:cs typeface="B Nazanin" pitchFamily="2" charset="-78"/>
-            </a:endParaRPr>
-          </a:p>
-        </p:txBody>
-      </p:sp>
-      <p:sp>
-        <p:nvSpPr>
-          <p:cNvPr id="5" name="Title 1">
-            <a:extLst>
-              <a:ext uri="{FF2B5EF4-FFF2-40B4-BE49-F238E27FC236}">
-                <a16:creationId xmlns:a16="http://schemas.microsoft.com/office/drawing/2014/main" id="{EA290BF9-CB7A-166D-45F8-5E1E927AA510}"/>
-              </a:ext>
-            </a:extLst>
-          </p:cNvPr>
-          <p:cNvSpPr txBox="1">
-            <a:spLocks/>
-          </p:cNvSpPr>
-          <p:nvPr/>
-        </p:nvSpPr>
-        <p:spPr>
-          <a:xfrm>
-            <a:off x="1154955" y="3956961"/>
-            <a:ext cx="8927196" cy="819397"/>
-          </a:xfrm>
-          <a:prstGeom prst="rect">
-            <a:avLst/>
-          </a:prstGeom>
-        </p:spPr>
-        <p:txBody>
-          <a:bodyPr vert="horz" lIns="91440" tIns="45720" rIns="91440" bIns="45720" rtlCol="0" anchor="b">
-            <a:noAutofit/>
-          </a:bodyPr>
-          <a:lstStyle>
-            <a:lvl1pPr algn="l" defTabSz="457200" rtl="0" eaLnBrk="1" latinLnBrk="0" hangingPunct="1">
-              <a:spcBef>
-                <a:spcPct val="0"/>
-              </a:spcBef>
-              <a:buNone/>
-              <a:defRPr sz="7200" b="0" i="0" kern="1200">
-                <a:solidFill>
-                  <a:schemeClr val="tx2"/>
-                </a:solidFill>
-                <a:latin typeface="+mj-lt"/>
-                <a:ea typeface="+mj-ea"/>
-                <a:cs typeface="+mj-cs"/>
-              </a:defRPr>
-            </a:lvl1pPr>
-            <a:lvl2pPr eaLnBrk="1" hangingPunct="1">
-              <a:defRPr>
-                <a:solidFill>
-                  <a:schemeClr val="tx2"/>
-                </a:solidFill>
-              </a:defRPr>
-            </a:lvl2pPr>
-            <a:lvl3pPr eaLnBrk="1" hangingPunct="1">
-              <a:defRPr>
-                <a:solidFill>
-                  <a:schemeClr val="tx2"/>
-                </a:solidFill>
-              </a:defRPr>
-            </a:lvl3pPr>
-            <a:lvl4pPr eaLnBrk="1" hangingPunct="1">
-              <a:defRPr>
-                <a:solidFill>
-                  <a:schemeClr val="tx2"/>
-                </a:solidFill>
-              </a:defRPr>
-            </a:lvl4pPr>
-            <a:lvl5pPr eaLnBrk="1" hangingPunct="1">
-              <a:defRPr>
-                <a:solidFill>
-                  <a:schemeClr val="tx2"/>
-                </a:solidFill>
-              </a:defRPr>
-            </a:lvl5pPr>
-            <a:lvl6pPr eaLnBrk="1" hangingPunct="1">
-              <a:defRPr>
-                <a:solidFill>
-                  <a:schemeClr val="tx2"/>
-                </a:solidFill>
-              </a:defRPr>
-            </a:lvl6pPr>
-            <a:lvl7pPr eaLnBrk="1" hangingPunct="1">
-              <a:defRPr>
-                <a:solidFill>
-                  <a:schemeClr val="tx2"/>
-                </a:solidFill>
-              </a:defRPr>
-            </a:lvl7pPr>
-            <a:lvl8pPr eaLnBrk="1" hangingPunct="1">
-              <a:defRPr>
-                <a:solidFill>
-                  <a:schemeClr val="tx2"/>
-                </a:solidFill>
-              </a:defRPr>
-            </a:lvl8pPr>
-            <a:lvl9pPr eaLnBrk="1" hangingPunct="1">
-              <a:defRPr>
-                <a:solidFill>
-                  <a:schemeClr val="tx2"/>
-                </a:solidFill>
-              </a:defRPr>
-            </a:lvl9pPr>
-          </a:lstStyle>
-          <a:p>
-            <a:pPr marL="0" algn="l" defTabSz="457200" rtl="0" eaLnBrk="1" latinLnBrk="0" hangingPunct="1">
-              <a:lnSpc>
-                <a:spcPct val="150000"/>
-              </a:lnSpc>
-              <a:spcBef>
-                <a:spcPct val="0"/>
-              </a:spcBef>
-              <a:buNone/>
-            </a:pPr>
-            <a:r>
-              <a:rPr lang="fa-IR" sz="3600" dirty="0">
-                <a:latin typeface="B Nazanin" pitchFamily="2" charset="-78"/>
-                <a:cs typeface="B Nazanin" pitchFamily="2" charset="-78"/>
-              </a:rPr>
-              <a:t>دانلود داده ها </a:t>
-            </a:r>
-          </a:p>
-        </p:txBody>
-      </p:sp>
-      <p:sp>
-        <p:nvSpPr>
-          <p:cNvPr id="6" name="Title 1">
-            <a:extLst>
-              <a:ext uri="{FF2B5EF4-FFF2-40B4-BE49-F238E27FC236}">
-                <a16:creationId xmlns:a16="http://schemas.microsoft.com/office/drawing/2014/main" id="{2C6E4ACE-6F0C-BD84-CA22-DA37A0E36090}"/>
-              </a:ext>
-            </a:extLst>
-          </p:cNvPr>
-          <p:cNvSpPr txBox="1">
-            <a:spLocks/>
-          </p:cNvSpPr>
-          <p:nvPr/>
-        </p:nvSpPr>
-        <p:spPr>
-          <a:xfrm>
-            <a:off x="1154955" y="4670671"/>
-            <a:ext cx="8927196" cy="819397"/>
-          </a:xfrm>
-          <a:prstGeom prst="rect">
-            <a:avLst/>
-          </a:prstGeom>
-        </p:spPr>
-        <p:txBody>
-          <a:bodyPr vert="horz" lIns="91440" tIns="45720" rIns="91440" bIns="45720" rtlCol="0" anchor="b">
-            <a:noAutofit/>
-          </a:bodyPr>
-          <a:lstStyle>
-            <a:lvl1pPr algn="l" defTabSz="457200" rtl="0" eaLnBrk="1" latinLnBrk="0" hangingPunct="1">
-              <a:spcBef>
-                <a:spcPct val="0"/>
-              </a:spcBef>
-              <a:buNone/>
-              <a:defRPr sz="7200" b="0" i="0" kern="1200">
-                <a:solidFill>
-                  <a:schemeClr val="tx2"/>
-                </a:solidFill>
-                <a:latin typeface="+mj-lt"/>
-                <a:ea typeface="+mj-ea"/>
-                <a:cs typeface="+mj-cs"/>
-              </a:defRPr>
-            </a:lvl1pPr>
-            <a:lvl2pPr eaLnBrk="1" hangingPunct="1">
-              <a:defRPr>
-                <a:solidFill>
-                  <a:schemeClr val="tx2"/>
-                </a:solidFill>
-              </a:defRPr>
-            </a:lvl2pPr>
-            <a:lvl3pPr eaLnBrk="1" hangingPunct="1">
-              <a:defRPr>
-                <a:solidFill>
-                  <a:schemeClr val="tx2"/>
-                </a:solidFill>
-              </a:defRPr>
-            </a:lvl3pPr>
-            <a:lvl4pPr eaLnBrk="1" hangingPunct="1">
-              <a:defRPr>
-                <a:solidFill>
-                  <a:schemeClr val="tx2"/>
-                </a:solidFill>
-              </a:defRPr>
-            </a:lvl4pPr>
-            <a:lvl5pPr eaLnBrk="1" hangingPunct="1">
-              <a:defRPr>
-                <a:solidFill>
-                  <a:schemeClr val="tx2"/>
-                </a:solidFill>
-              </a:defRPr>
-            </a:lvl5pPr>
-            <a:lvl6pPr eaLnBrk="1" hangingPunct="1">
-              <a:defRPr>
-                <a:solidFill>
-                  <a:schemeClr val="tx2"/>
-                </a:solidFill>
-              </a:defRPr>
-            </a:lvl6pPr>
-            <a:lvl7pPr eaLnBrk="1" hangingPunct="1">
-              <a:defRPr>
-                <a:solidFill>
-                  <a:schemeClr val="tx2"/>
-                </a:solidFill>
-              </a:defRPr>
-            </a:lvl7pPr>
-            <a:lvl8pPr eaLnBrk="1" hangingPunct="1">
-              <a:defRPr>
-                <a:solidFill>
-                  <a:schemeClr val="tx2"/>
-                </a:solidFill>
-              </a:defRPr>
-            </a:lvl8pPr>
-            <a:lvl9pPr eaLnBrk="1" hangingPunct="1">
-              <a:defRPr>
-                <a:solidFill>
-                  <a:schemeClr val="tx2"/>
-                </a:solidFill>
-              </a:defRPr>
-            </a:lvl9pPr>
-          </a:lstStyle>
-          <a:p>
-            <a:pPr marL="0" defTabSz="457200" rtl="1" eaLnBrk="1" latinLnBrk="0" hangingPunct="1">
-              <a:lnSpc>
-                <a:spcPct val="150000"/>
-              </a:lnSpc>
-              <a:spcBef>
-                <a:spcPct val="0"/>
-              </a:spcBef>
-              <a:buNone/>
-            </a:pPr>
-            <a:r>
-              <a:rPr lang="en-US" sz="3600" dirty="0" err="1">
-                <a:latin typeface="B Nazanin" pitchFamily="2" charset="-78"/>
-                <a:cs typeface="B Nazanin" pitchFamily="2" charset="-78"/>
-              </a:rPr>
-              <a:t>javadKavossi.com</a:t>
-            </a:r>
-            <a:r>
-              <a:rPr lang="en-US" sz="3600" dirty="0">
-                <a:latin typeface="B Nazanin" pitchFamily="2" charset="-78"/>
-                <a:cs typeface="B Nazanin" pitchFamily="2" charset="-78"/>
-              </a:rPr>
-              <a:t> ,</a:t>
-            </a:r>
-            <a:r>
-              <a:rPr lang="fa-IR" sz="3600" dirty="0" err="1">
-                <a:latin typeface="B Nazanin" pitchFamily="2" charset="-78"/>
-                <a:cs typeface="B Nazanin" pitchFamily="2" charset="-78"/>
-              </a:rPr>
-              <a:t>G</a:t>
-            </a:r>
-            <a:r>
-              <a:rPr lang="en-US" sz="3600" dirty="0" err="1">
-                <a:latin typeface="B Nazanin" pitchFamily="2" charset="-78"/>
-                <a:cs typeface="B Nazanin" pitchFamily="2" charset="-78"/>
-              </a:rPr>
-              <a:t>itHub</a:t>
-            </a:r>
-            <a:endParaRPr lang="fa-IR" sz="3600" dirty="0">
-              <a:latin typeface="B Nazanin" pitchFamily="2" charset="-78"/>
-              <a:cs typeface="B Nazanin" pitchFamily="2" charset="-78"/>
-            </a:endParaRPr>
-          </a:p>
-        </p:txBody>
-      </p:sp>
+      </p:pic>
     </p:spTree>
     <p:extLst>
       <p:ext uri="{BB962C8B-B14F-4D97-AF65-F5344CB8AC3E}">
-        <p14:creationId xmlns:p14="http://schemas.microsoft.com/office/powerpoint/2010/main" val="1134420013"/>
+        <p14:creationId xmlns:p14="http://schemas.microsoft.com/office/powerpoint/2010/main" val="28500033"/>
       </p:ext>
     </p:extLst>
   </p:cSld>

--- a/Presentation1.pptx
+++ b/Presentation1.pptx
@@ -17,6 +17,7 @@
     <p:sldId id="267" r:id="rId11"/>
     <p:sldId id="265" r:id="rId12"/>
     <p:sldId id="268" r:id="rId13"/>
+    <p:sldId id="269" r:id="rId14"/>
   </p:sldIdLst>
   <p:sldSz cx="12192000" cy="6858000"/>
   <p:notesSz cx="6858000" cy="9144000"/>
@@ -7723,6 +7724,210 @@
 </p:sld>
 </file>
 
+<file path=ppt/slides/slide13.xml><?xml version="1.0" encoding="utf-8"?>
+<p:sld xmlns:a="http://schemas.openxmlformats.org/drawingml/2006/main" xmlns:r="http://schemas.openxmlformats.org/officeDocument/2006/relationships" xmlns:p="http://schemas.openxmlformats.org/presentationml/2006/main">
+  <p:cSld>
+    <p:spTree>
+      <p:nvGrpSpPr>
+        <p:cNvPr id="1" name=""/>
+        <p:cNvGrpSpPr/>
+        <p:nvPr/>
+      </p:nvGrpSpPr>
+      <p:grpSpPr>
+        <a:xfrm>
+          <a:off x="0" y="0"/>
+          <a:ext cx="0" cy="0"/>
+          <a:chOff x="0" y="0"/>
+          <a:chExt cx="0" cy="0"/>
+        </a:xfrm>
+      </p:grpSpPr>
+      <p:sp>
+        <p:nvSpPr>
+          <p:cNvPr id="2" name="Title 1">
+            <a:extLst>
+              <a:ext uri="{FF2B5EF4-FFF2-40B4-BE49-F238E27FC236}">
+                <a16:creationId xmlns:a16="http://schemas.microsoft.com/office/drawing/2014/main" id="{CAD61B8B-E3F4-220E-21D0-9D8B3A046E00}"/>
+              </a:ext>
+            </a:extLst>
+          </p:cNvPr>
+          <p:cNvSpPr>
+            <a:spLocks noGrp="1"/>
+          </p:cNvSpPr>
+          <p:nvPr>
+            <p:ph type="ctrTitle"/>
+          </p:nvPr>
+        </p:nvSpPr>
+        <p:spPr>
+          <a:xfrm>
+            <a:off x="1154955" y="516577"/>
+            <a:ext cx="8825658" cy="819397"/>
+          </a:xfrm>
+        </p:spPr>
+        <p:txBody>
+          <a:bodyPr/>
+          <a:lstStyle/>
+          <a:p>
+            <a:pPr algn="r" rtl="1"/>
+            <a:r>
+              <a:rPr lang="fa-IR" sz="4800" dirty="0">
+                <a:latin typeface="B Nazanin" pitchFamily="2" charset="-78"/>
+                <a:cs typeface="B Nazanin" pitchFamily="2" charset="-78"/>
+              </a:rPr>
+              <a:t>مرحله</a:t>
+            </a:r>
+            <a:r>
+              <a:rPr lang="en-US" sz="4800" dirty="0">
+                <a:latin typeface="B Nazanin" pitchFamily="2" charset="-78"/>
+                <a:cs typeface="B Nazanin" pitchFamily="2" charset="-78"/>
+              </a:rPr>
+              <a:t> </a:t>
+            </a:r>
+            <a:r>
+              <a:rPr lang="fa-IR" sz="4800" dirty="0">
+                <a:latin typeface="B Nazanin" pitchFamily="2" charset="-78"/>
+                <a:cs typeface="B Nazanin" pitchFamily="2" charset="-78"/>
+              </a:rPr>
+              <a:t>چهارم</a:t>
+            </a:r>
+            <a:endParaRPr lang="en-IR" sz="4800" dirty="0">
+              <a:latin typeface="B Nazanin" pitchFamily="2" charset="-78"/>
+              <a:cs typeface="B Nazanin" pitchFamily="2" charset="-78"/>
+            </a:endParaRPr>
+          </a:p>
+        </p:txBody>
+      </p:sp>
+      <p:sp>
+        <p:nvSpPr>
+          <p:cNvPr id="4" name="Title 1">
+            <a:extLst>
+              <a:ext uri="{FF2B5EF4-FFF2-40B4-BE49-F238E27FC236}">
+                <a16:creationId xmlns:a16="http://schemas.microsoft.com/office/drawing/2014/main" id="{BA7188AD-399F-A698-FA47-AC0B2E549CBE}"/>
+              </a:ext>
+            </a:extLst>
+          </p:cNvPr>
+          <p:cNvSpPr txBox="1">
+            <a:spLocks/>
+          </p:cNvSpPr>
+          <p:nvPr/>
+        </p:nvSpPr>
+        <p:spPr>
+          <a:xfrm>
+            <a:off x="1154955" y="2153515"/>
+            <a:ext cx="8927196" cy="1932710"/>
+          </a:xfrm>
+          <a:prstGeom prst="rect">
+            <a:avLst/>
+          </a:prstGeom>
+        </p:spPr>
+        <p:txBody>
+          <a:bodyPr vert="horz" lIns="91440" tIns="45720" rIns="91440" bIns="45720" rtlCol="0" anchor="b">
+            <a:noAutofit/>
+          </a:bodyPr>
+          <a:lstStyle>
+            <a:lvl1pPr algn="l" defTabSz="457200" rtl="0" eaLnBrk="1" latinLnBrk="0" hangingPunct="1">
+              <a:spcBef>
+                <a:spcPct val="0"/>
+              </a:spcBef>
+              <a:buNone/>
+              <a:defRPr sz="7200" b="0" i="0" kern="1200">
+                <a:solidFill>
+                  <a:schemeClr val="tx2"/>
+                </a:solidFill>
+                <a:latin typeface="+mj-lt"/>
+                <a:ea typeface="+mj-ea"/>
+                <a:cs typeface="+mj-cs"/>
+              </a:defRPr>
+            </a:lvl1pPr>
+            <a:lvl2pPr eaLnBrk="1" hangingPunct="1">
+              <a:defRPr>
+                <a:solidFill>
+                  <a:schemeClr val="tx2"/>
+                </a:solidFill>
+              </a:defRPr>
+            </a:lvl2pPr>
+            <a:lvl3pPr eaLnBrk="1" hangingPunct="1">
+              <a:defRPr>
+                <a:solidFill>
+                  <a:schemeClr val="tx2"/>
+                </a:solidFill>
+              </a:defRPr>
+            </a:lvl3pPr>
+            <a:lvl4pPr eaLnBrk="1" hangingPunct="1">
+              <a:defRPr>
+                <a:solidFill>
+                  <a:schemeClr val="tx2"/>
+                </a:solidFill>
+              </a:defRPr>
+            </a:lvl4pPr>
+            <a:lvl5pPr eaLnBrk="1" hangingPunct="1">
+              <a:defRPr>
+                <a:solidFill>
+                  <a:schemeClr val="tx2"/>
+                </a:solidFill>
+              </a:defRPr>
+            </a:lvl5pPr>
+            <a:lvl6pPr eaLnBrk="1" hangingPunct="1">
+              <a:defRPr>
+                <a:solidFill>
+                  <a:schemeClr val="tx2"/>
+                </a:solidFill>
+              </a:defRPr>
+            </a:lvl6pPr>
+            <a:lvl7pPr eaLnBrk="1" hangingPunct="1">
+              <a:defRPr>
+                <a:solidFill>
+                  <a:schemeClr val="tx2"/>
+                </a:solidFill>
+              </a:defRPr>
+            </a:lvl7pPr>
+            <a:lvl8pPr eaLnBrk="1" hangingPunct="1">
+              <a:defRPr>
+                <a:solidFill>
+                  <a:schemeClr val="tx2"/>
+                </a:solidFill>
+              </a:defRPr>
+            </a:lvl8pPr>
+            <a:lvl9pPr eaLnBrk="1" hangingPunct="1">
+              <a:defRPr>
+                <a:solidFill>
+                  <a:schemeClr val="tx2"/>
+                </a:solidFill>
+              </a:defRPr>
+            </a:lvl9pPr>
+          </a:lstStyle>
+          <a:p>
+            <a:pPr marL="0" algn="ctr" defTabSz="457200" rtl="0" eaLnBrk="1" latinLnBrk="0" hangingPunct="1">
+              <a:lnSpc>
+                <a:spcPct val="150000"/>
+              </a:lnSpc>
+              <a:spcBef>
+                <a:spcPct val="0"/>
+              </a:spcBef>
+              <a:buNone/>
+            </a:pPr>
+            <a:r>
+              <a:rPr lang="fa-IR" sz="6600" dirty="0">
+                <a:latin typeface="B Nazanin" pitchFamily="2" charset="-78"/>
+                <a:cs typeface="B Nazanin" pitchFamily="2" charset="-78"/>
+              </a:rPr>
+              <a:t>آماده کردن داده ها</a:t>
+            </a:r>
+          </a:p>
+        </p:txBody>
+      </p:sp>
+    </p:spTree>
+    <p:extLst>
+      <p:ext uri="{BB962C8B-B14F-4D97-AF65-F5344CB8AC3E}">
+        <p14:creationId xmlns:p14="http://schemas.microsoft.com/office/powerpoint/2010/main" val="2061366944"/>
+      </p:ext>
+    </p:extLst>
+  </p:cSld>
+  <p:clrMapOvr>
+    <a:masterClrMapping/>
+  </p:clrMapOvr>
+</p:sld>
+</file>
+
 <file path=ppt/slides/slide2.xml><?xml version="1.0" encoding="utf-8"?>
 <p:sld xmlns:a="http://schemas.openxmlformats.org/drawingml/2006/main" xmlns:r="http://schemas.openxmlformats.org/officeDocument/2006/relationships" xmlns:p="http://schemas.openxmlformats.org/presentationml/2006/main">
   <p:cSld>
